--- a/AnalyzersDemo.pptx
+++ b/AnalyzersDemo.pptx
@@ -5,20 +5,21 @@
     <p:sldMasterId id="2147483660" r:id="rId1"/>
   </p:sldMasterIdLst>
   <p:notesMasterIdLst>
-    <p:notesMasterId r:id="rId13"/>
+    <p:notesMasterId r:id="rId14"/>
   </p:notesMasterIdLst>
   <p:sldIdLst>
     <p:sldId id="259" r:id="rId2"/>
-    <p:sldId id="260" r:id="rId3"/>
-    <p:sldId id="261" r:id="rId4"/>
-    <p:sldId id="262" r:id="rId5"/>
-    <p:sldId id="263" r:id="rId6"/>
-    <p:sldId id="264" r:id="rId7"/>
-    <p:sldId id="265" r:id="rId8"/>
-    <p:sldId id="267" r:id="rId9"/>
-    <p:sldId id="266" r:id="rId10"/>
-    <p:sldId id="268" r:id="rId11"/>
-    <p:sldId id="258" r:id="rId12"/>
+    <p:sldId id="272" r:id="rId3"/>
+    <p:sldId id="260" r:id="rId4"/>
+    <p:sldId id="261" r:id="rId5"/>
+    <p:sldId id="262" r:id="rId6"/>
+    <p:sldId id="263" r:id="rId7"/>
+    <p:sldId id="264" r:id="rId8"/>
+    <p:sldId id="265" r:id="rId9"/>
+    <p:sldId id="267" r:id="rId10"/>
+    <p:sldId id="266" r:id="rId11"/>
+    <p:sldId id="268" r:id="rId12"/>
+    <p:sldId id="258" r:id="rId13"/>
   </p:sldIdLst>
   <p:sldSz cx="12192000" cy="6858000"/>
   <p:notesSz cx="6858000" cy="9144000"/>
@@ -617,7 +618,7 @@
                 </a:solidFill>
               </a:rPr>
               <a:pPr/>
-              <a:t>11</a:t>
+              <a:t>12</a:t>
             </a:fld>
             <a:endParaRPr lang="cs-CZ" dirty="0">
               <a:solidFill>
@@ -5851,8 +5852,8 @@
         </p:blipFill>
         <p:spPr>
           <a:xfrm>
-            <a:off x="6204609" y="143933"/>
-            <a:ext cx="8892915" cy="6858000"/>
+            <a:off x="5392169" y="143933"/>
+            <a:ext cx="9705355" cy="7484534"/>
           </a:xfrm>
           <a:prstGeom prst="rect">
             <a:avLst/>
@@ -5916,6 +5917,185 @@
               <a:t>BuildCheck</a:t>
             </a:r>
             <a:r>
+              <a:rPr lang="cs-CZ" dirty="0"/>
+              <a:t> </a:t>
+            </a:r>
+            <a:r>
+              <a:rPr lang="en-US" dirty="0"/>
+              <a:t>– configuration</a:t>
+            </a:r>
+            <a:endParaRPr lang="cs-CZ" dirty="0"/>
+          </a:p>
+        </p:txBody>
+      </p:sp>
+      <p:sp>
+        <p:nvSpPr>
+          <p:cNvPr id="3" name="Content Placeholder 2"/>
+          <p:cNvSpPr>
+            <a:spLocks noGrp="1"/>
+          </p:cNvSpPr>
+          <p:nvPr>
+            <p:ph idx="1"/>
+          </p:nvPr>
+        </p:nvSpPr>
+        <p:spPr/>
+        <p:txBody>
+          <a:bodyPr/>
+          <a:lstStyle/>
+          <a:p>
+            <a:pPr marL="378000" indent="-378000">
+              <a:buFont typeface="+mj-lt"/>
+              <a:buAutoNum type="arabicPeriod"/>
+            </a:pPr>
+            <a:endParaRPr lang="cs-CZ" dirty="0"/>
+          </a:p>
+          <a:p>
+            <a:r>
+              <a:rPr lang="cs-CZ" dirty="0"/>
+              <a:t>e</a:t>
+            </a:r>
+            <a:r>
+              <a:rPr lang="en-US" dirty="0" err="1"/>
+              <a:t>ditorconfig</a:t>
+            </a:r>
+            <a:r>
+              <a:rPr lang="cs-CZ" dirty="0"/>
+              <a:t> – </a:t>
+            </a:r>
+            <a:r>
+              <a:rPr lang="cs-CZ" dirty="0">
+                <a:hlinkClick r:id="rId2"/>
+              </a:rPr>
+              <a:t>documentation</a:t>
+            </a:r>
+            <a:endParaRPr lang="cs-CZ" dirty="0"/>
+          </a:p>
+          <a:p>
+            <a:pPr lvl="1"/>
+            <a:r>
+              <a:rPr lang="en-US" i="1" dirty="0"/>
+              <a:t>b</a:t>
+            </a:r>
+            <a:r>
+              <a:rPr lang="cs-CZ" i="1" dirty="0" err="1"/>
+              <a:t>uild</a:t>
+            </a:r>
+            <a:r>
+              <a:rPr lang="en-US" i="1" dirty="0"/>
+              <a:t>_</a:t>
+            </a:r>
+            <a:r>
+              <a:rPr lang="cs-CZ" i="1" dirty="0" err="1"/>
+              <a:t>check</a:t>
+            </a:r>
+            <a:r>
+              <a:rPr lang="en-US" i="1" dirty="0"/>
+              <a:t>.</a:t>
+            </a:r>
+            <a:r>
+              <a:rPr lang="en-US" i="1" dirty="0" err="1"/>
+              <a:t>rule.severity</a:t>
+            </a:r>
+            <a:endParaRPr lang="en-US" i="1" dirty="0"/>
+          </a:p>
+          <a:p>
+            <a:r>
+              <a:rPr lang="en-US" dirty="0"/>
+              <a:t>MSBuild knobs:</a:t>
+            </a:r>
+          </a:p>
+          <a:p>
+            <a:pPr lvl="1"/>
+            <a:r>
+              <a:rPr lang="cs-CZ" b="1" dirty="0" err="1"/>
+              <a:t>MSBuild</a:t>
+            </a:r>
+            <a:r>
+              <a:rPr lang="cs-CZ" dirty="0" err="1"/>
+              <a:t>TreatWarningsAsErrors</a:t>
+            </a:r>
+            <a:endParaRPr lang="en-US" dirty="0"/>
+          </a:p>
+          <a:p>
+            <a:pPr lvl="1"/>
+            <a:r>
+              <a:rPr lang="cs-CZ" b="1" dirty="0"/>
+              <a:t>MSBuild</a:t>
+            </a:r>
+            <a:r>
+              <a:rPr lang="en-US" dirty="0" err="1"/>
+              <a:t>WarningsAsErrors</a:t>
+            </a:r>
+            <a:endParaRPr lang="en-US" dirty="0"/>
+          </a:p>
+          <a:p>
+            <a:pPr lvl="1"/>
+            <a:r>
+              <a:rPr lang="cs-CZ" b="1" dirty="0" err="1"/>
+              <a:t>MSBuild</a:t>
+            </a:r>
+            <a:r>
+              <a:rPr lang="cs-CZ" dirty="0" err="1"/>
+              <a:t>WarningsNotAsErrors</a:t>
+            </a:r>
+            <a:endParaRPr lang="en-US" dirty="0"/>
+          </a:p>
+        </p:txBody>
+      </p:sp>
+    </p:spTree>
+    <p:extLst>
+      <p:ext uri="{BB962C8B-B14F-4D97-AF65-F5344CB8AC3E}">
+        <p14:creationId xmlns:p14="http://schemas.microsoft.com/office/powerpoint/2010/main" val="3069694228"/>
+      </p:ext>
+    </p:extLst>
+  </p:cSld>
+  <p:clrMapOvr>
+    <a:masterClrMapping/>
+  </p:clrMapOvr>
+</p:sld>
+</file>
+
+<file path=ppt/slides/slide11.xml><?xml version="1.0" encoding="utf-8"?>
+<p:sld xmlns:a="http://schemas.openxmlformats.org/drawingml/2006/main" xmlns:r="http://schemas.openxmlformats.org/officeDocument/2006/relationships" xmlns:p="http://schemas.openxmlformats.org/presentationml/2006/main">
+  <p:cSld>
+    <p:spTree>
+      <p:nvGrpSpPr>
+        <p:cNvPr id="1" name=""/>
+        <p:cNvGrpSpPr/>
+        <p:nvPr/>
+      </p:nvGrpSpPr>
+      <p:grpSpPr>
+        <a:xfrm>
+          <a:off x="0" y="0"/>
+          <a:ext cx="0" cy="0"/>
+          <a:chOff x="0" y="0"/>
+          <a:chExt cx="0" cy="0"/>
+        </a:xfrm>
+      </p:grpSpPr>
+      <p:sp>
+        <p:nvSpPr>
+          <p:cNvPr id="2" name="Title 1"/>
+          <p:cNvSpPr>
+            <a:spLocks noGrp="1"/>
+          </p:cNvSpPr>
+          <p:nvPr>
+            <p:ph type="title"/>
+          </p:nvPr>
+        </p:nvSpPr>
+        <p:spPr/>
+        <p:txBody>
+          <a:bodyPr/>
+          <a:lstStyle/>
+          <a:p>
+            <a:r>
+              <a:rPr lang="cs-CZ" dirty="0"/>
+              <a:t>MSBuild </a:t>
+            </a:r>
+            <a:r>
+              <a:rPr lang="cs-CZ" dirty="0" err="1"/>
+              <a:t>BuildCheck</a:t>
+            </a:r>
+            <a:r>
               <a:rPr lang="en-US" dirty="0"/>
               <a:t> – custom</a:t>
             </a:r>
@@ -6049,7 +6229,7 @@
 </p:sld>
 </file>
 
-<file path=ppt/slides/slide11.xml><?xml version="1.0" encoding="utf-8"?>
+<file path=ppt/slides/slide12.xml><?xml version="1.0" encoding="utf-8"?>
 <p:sld xmlns:a="http://schemas.openxmlformats.org/drawingml/2006/main" xmlns:r="http://schemas.openxmlformats.org/officeDocument/2006/relationships" xmlns:p="http://schemas.openxmlformats.org/presentationml/2006/main">
   <p:cSld>
     <p:spTree>
@@ -6209,6 +6389,542 @@
       </p:grpSpPr>
       <p:sp>
         <p:nvSpPr>
+          <p:cNvPr id="2" name="Title 1">
+            <a:extLst>
+              <a:ext uri="{FF2B5EF4-FFF2-40B4-BE49-F238E27FC236}">
+                <a16:creationId xmlns:a16="http://schemas.microsoft.com/office/drawing/2014/main" id="{B684B216-13C4-99D6-4085-33C99E1103C0}"/>
+              </a:ext>
+            </a:extLst>
+          </p:cNvPr>
+          <p:cNvSpPr>
+            <a:spLocks noGrp="1"/>
+          </p:cNvSpPr>
+          <p:nvPr>
+            <p:ph type="ctrTitle"/>
+          </p:nvPr>
+        </p:nvSpPr>
+        <p:spPr>
+          <a:xfrm>
+            <a:off x="1524000" y="457345"/>
+            <a:ext cx="9144000" cy="907328"/>
+          </a:xfrm>
+        </p:spPr>
+        <p:txBody>
+          <a:bodyPr/>
+          <a:lstStyle/>
+          <a:p>
+            <a:r>
+              <a:rPr lang="en-US" dirty="0"/>
+              <a:t>Materials</a:t>
+            </a:r>
+          </a:p>
+        </p:txBody>
+      </p:sp>
+      <p:sp>
+        <p:nvSpPr>
+          <p:cNvPr id="3" name="Subtitle 2">
+            <a:extLst>
+              <a:ext uri="{FF2B5EF4-FFF2-40B4-BE49-F238E27FC236}">
+                <a16:creationId xmlns:a16="http://schemas.microsoft.com/office/drawing/2014/main" id="{560FAECE-3109-C3C6-34CA-82C393496469}"/>
+              </a:ext>
+            </a:extLst>
+          </p:cNvPr>
+          <p:cNvSpPr>
+            <a:spLocks noGrp="1"/>
+          </p:cNvSpPr>
+          <p:nvPr>
+            <p:ph type="subTitle" idx="1"/>
+          </p:nvPr>
+        </p:nvSpPr>
+        <p:spPr>
+          <a:xfrm>
+            <a:off x="886691" y="1496292"/>
+            <a:ext cx="10522527" cy="2672585"/>
+          </a:xfrm>
+        </p:spPr>
+        <p:txBody>
+          <a:bodyPr>
+            <a:normAutofit/>
+          </a:bodyPr>
+          <a:lstStyle/>
+          <a:p>
+            <a:pPr algn="ctr"/>
+            <a:r>
+              <a:rPr lang="en-US" sz="8800" dirty="0">
+                <a:hlinkClick r:id="rId2"/>
+              </a:rPr>
+              <a:t>dotutils.net/</a:t>
+            </a:r>
+            <a:r>
+              <a:rPr lang="en-US" sz="8800" dirty="0" err="1">
+                <a:hlinkClick r:id="rId2"/>
+              </a:rPr>
+              <a:t>wug</a:t>
+            </a:r>
+            <a:r>
+              <a:rPr lang="en-US" sz="8800" dirty="0">
+                <a:hlinkClick r:id="rId2"/>
+              </a:rPr>
+              <a:t>-talk</a:t>
+            </a:r>
+            <a:endParaRPr lang="en-US" sz="8800" dirty="0"/>
+          </a:p>
+        </p:txBody>
+      </p:sp>
+      <p:sp>
+        <p:nvSpPr>
+          <p:cNvPr id="4" name="Subtitle 2">
+            <a:extLst>
+              <a:ext uri="{FF2B5EF4-FFF2-40B4-BE49-F238E27FC236}">
+                <a16:creationId xmlns:a16="http://schemas.microsoft.com/office/drawing/2014/main" id="{516A24B5-BD48-6172-F4AB-99B4E5922E44}"/>
+              </a:ext>
+            </a:extLst>
+          </p:cNvPr>
+          <p:cNvSpPr txBox="1">
+            <a:spLocks/>
+          </p:cNvSpPr>
+          <p:nvPr/>
+        </p:nvSpPr>
+        <p:spPr>
+          <a:xfrm>
+            <a:off x="6788727" y="1496292"/>
+            <a:ext cx="4980709" cy="4357254"/>
+          </a:xfrm>
+          <a:prstGeom prst="rect">
+            <a:avLst/>
+          </a:prstGeom>
+        </p:spPr>
+        <p:txBody>
+          <a:bodyPr/>
+          <a:lstStyle>
+            <a:lvl1pPr marL="0" indent="0" algn="ctr" defTabSz="914400" rtl="0" eaLnBrk="1" latinLnBrk="0" hangingPunct="1">
+              <a:lnSpc>
+                <a:spcPct val="90000"/>
+              </a:lnSpc>
+              <a:spcBef>
+                <a:spcPts val="1000"/>
+              </a:spcBef>
+              <a:buFont typeface="Arial" panose="020B0604020202020204" pitchFamily="34" charset="0"/>
+              <a:buNone/>
+              <a:defRPr sz="2400" kern="1200">
+                <a:solidFill>
+                  <a:schemeClr val="tx1"/>
+                </a:solidFill>
+                <a:latin typeface="+mn-lt"/>
+                <a:ea typeface="+mn-ea"/>
+                <a:cs typeface="+mn-cs"/>
+              </a:defRPr>
+            </a:lvl1pPr>
+            <a:lvl2pPr marL="457200" indent="0" algn="ctr" defTabSz="914400" rtl="0" eaLnBrk="1" latinLnBrk="0" hangingPunct="1">
+              <a:lnSpc>
+                <a:spcPct val="90000"/>
+              </a:lnSpc>
+              <a:spcBef>
+                <a:spcPts val="500"/>
+              </a:spcBef>
+              <a:buFont typeface="Arial" panose="020B0604020202020204" pitchFamily="34" charset="0"/>
+              <a:buNone/>
+              <a:defRPr sz="2000" kern="1200">
+                <a:solidFill>
+                  <a:schemeClr val="tx1"/>
+                </a:solidFill>
+                <a:latin typeface="+mn-lt"/>
+                <a:ea typeface="+mn-ea"/>
+                <a:cs typeface="+mn-cs"/>
+              </a:defRPr>
+            </a:lvl2pPr>
+            <a:lvl3pPr marL="914400" indent="0" algn="ctr" defTabSz="914400" rtl="0" eaLnBrk="1" latinLnBrk="0" hangingPunct="1">
+              <a:lnSpc>
+                <a:spcPct val="90000"/>
+              </a:lnSpc>
+              <a:spcBef>
+                <a:spcPts val="500"/>
+              </a:spcBef>
+              <a:buFont typeface="Arial" panose="020B0604020202020204" pitchFamily="34" charset="0"/>
+              <a:buNone/>
+              <a:defRPr sz="1800" kern="1200">
+                <a:solidFill>
+                  <a:schemeClr val="tx1"/>
+                </a:solidFill>
+                <a:latin typeface="+mn-lt"/>
+                <a:ea typeface="+mn-ea"/>
+                <a:cs typeface="+mn-cs"/>
+              </a:defRPr>
+            </a:lvl3pPr>
+            <a:lvl4pPr marL="1371600" indent="0" algn="ctr" defTabSz="914400" rtl="0" eaLnBrk="1" latinLnBrk="0" hangingPunct="1">
+              <a:lnSpc>
+                <a:spcPct val="90000"/>
+              </a:lnSpc>
+              <a:spcBef>
+                <a:spcPts val="500"/>
+              </a:spcBef>
+              <a:buFont typeface="Arial" panose="020B0604020202020204" pitchFamily="34" charset="0"/>
+              <a:buNone/>
+              <a:defRPr sz="1600" kern="1200">
+                <a:solidFill>
+                  <a:schemeClr val="tx1"/>
+                </a:solidFill>
+                <a:latin typeface="+mn-lt"/>
+                <a:ea typeface="+mn-ea"/>
+                <a:cs typeface="+mn-cs"/>
+              </a:defRPr>
+            </a:lvl4pPr>
+            <a:lvl5pPr marL="1828800" indent="0" algn="ctr" defTabSz="914400" rtl="0" eaLnBrk="1" latinLnBrk="0" hangingPunct="1">
+              <a:lnSpc>
+                <a:spcPct val="90000"/>
+              </a:lnSpc>
+              <a:spcBef>
+                <a:spcPts val="500"/>
+              </a:spcBef>
+              <a:buFont typeface="Arial" panose="020B0604020202020204" pitchFamily="34" charset="0"/>
+              <a:buNone/>
+              <a:defRPr sz="1600" kern="1200">
+                <a:solidFill>
+                  <a:schemeClr val="tx1"/>
+                </a:solidFill>
+                <a:latin typeface="+mn-lt"/>
+                <a:ea typeface="+mn-ea"/>
+                <a:cs typeface="+mn-cs"/>
+              </a:defRPr>
+            </a:lvl5pPr>
+            <a:lvl6pPr marL="2286000" indent="0" algn="ctr" defTabSz="914400" rtl="0" eaLnBrk="1" latinLnBrk="0" hangingPunct="1">
+              <a:lnSpc>
+                <a:spcPct val="90000"/>
+              </a:lnSpc>
+              <a:spcBef>
+                <a:spcPts val="500"/>
+              </a:spcBef>
+              <a:buFont typeface="Arial" panose="020B0604020202020204" pitchFamily="34" charset="0"/>
+              <a:buNone/>
+              <a:defRPr sz="1600" kern="1200">
+                <a:solidFill>
+                  <a:schemeClr val="tx1"/>
+                </a:solidFill>
+                <a:latin typeface="+mn-lt"/>
+                <a:ea typeface="+mn-ea"/>
+                <a:cs typeface="+mn-cs"/>
+              </a:defRPr>
+            </a:lvl6pPr>
+            <a:lvl7pPr marL="2743200" indent="0" algn="ctr" defTabSz="914400" rtl="0" eaLnBrk="1" latinLnBrk="0" hangingPunct="1">
+              <a:lnSpc>
+                <a:spcPct val="90000"/>
+              </a:lnSpc>
+              <a:spcBef>
+                <a:spcPts val="500"/>
+              </a:spcBef>
+              <a:buFont typeface="Arial" panose="020B0604020202020204" pitchFamily="34" charset="0"/>
+              <a:buNone/>
+              <a:defRPr sz="1600" kern="1200">
+                <a:solidFill>
+                  <a:schemeClr val="tx1"/>
+                </a:solidFill>
+                <a:latin typeface="+mn-lt"/>
+                <a:ea typeface="+mn-ea"/>
+                <a:cs typeface="+mn-cs"/>
+              </a:defRPr>
+            </a:lvl7pPr>
+            <a:lvl8pPr marL="3200400" indent="0" algn="ctr" defTabSz="914400" rtl="0" eaLnBrk="1" latinLnBrk="0" hangingPunct="1">
+              <a:lnSpc>
+                <a:spcPct val="90000"/>
+              </a:lnSpc>
+              <a:spcBef>
+                <a:spcPts val="500"/>
+              </a:spcBef>
+              <a:buFont typeface="Arial" panose="020B0604020202020204" pitchFamily="34" charset="0"/>
+              <a:buNone/>
+              <a:defRPr sz="1600" kern="1200">
+                <a:solidFill>
+                  <a:schemeClr val="tx1"/>
+                </a:solidFill>
+                <a:latin typeface="+mn-lt"/>
+                <a:ea typeface="+mn-ea"/>
+                <a:cs typeface="+mn-cs"/>
+              </a:defRPr>
+            </a:lvl8pPr>
+            <a:lvl9pPr marL="3657600" indent="0" algn="ctr" defTabSz="914400" rtl="0" eaLnBrk="1" latinLnBrk="0" hangingPunct="1">
+              <a:lnSpc>
+                <a:spcPct val="90000"/>
+              </a:lnSpc>
+              <a:spcBef>
+                <a:spcPts val="500"/>
+              </a:spcBef>
+              <a:buFont typeface="Arial" panose="020B0604020202020204" pitchFamily="34" charset="0"/>
+              <a:buNone/>
+              <a:defRPr sz="1600" kern="1200">
+                <a:solidFill>
+                  <a:schemeClr val="tx1"/>
+                </a:solidFill>
+                <a:latin typeface="+mn-lt"/>
+                <a:ea typeface="+mn-ea"/>
+                <a:cs typeface="+mn-cs"/>
+              </a:defRPr>
+            </a:lvl9pPr>
+          </a:lstStyle>
+          <a:p>
+            <a:endParaRPr lang="en-US" dirty="0"/>
+          </a:p>
+        </p:txBody>
+      </p:sp>
+      <p:sp>
+        <p:nvSpPr>
+          <p:cNvPr id="5" name="Subtitle 2">
+            <a:extLst>
+              <a:ext uri="{FF2B5EF4-FFF2-40B4-BE49-F238E27FC236}">
+                <a16:creationId xmlns:a16="http://schemas.microsoft.com/office/drawing/2014/main" id="{A9EDFB5B-D83F-CAAD-353E-23F8BCB17362}"/>
+              </a:ext>
+            </a:extLst>
+          </p:cNvPr>
+          <p:cNvSpPr txBox="1">
+            <a:spLocks/>
+          </p:cNvSpPr>
+          <p:nvPr/>
+        </p:nvSpPr>
+        <p:spPr>
+          <a:xfrm>
+            <a:off x="782782" y="4497572"/>
+            <a:ext cx="10522527" cy="1748198"/>
+          </a:xfrm>
+          <a:prstGeom prst="rect">
+            <a:avLst/>
+          </a:prstGeom>
+        </p:spPr>
+        <p:txBody>
+          <a:bodyPr vert="horz" lIns="0" tIns="0" rIns="0" bIns="0" rtlCol="0" anchor="b" anchorCtr="0">
+            <a:normAutofit/>
+          </a:bodyPr>
+          <a:lstStyle>
+            <a:lvl1pPr marL="0" indent="0" algn="l" defTabSz="914400" rtl="0" eaLnBrk="1" latinLnBrk="0" hangingPunct="1">
+              <a:spcBef>
+                <a:spcPct val="20000"/>
+              </a:spcBef>
+              <a:buClr>
+                <a:schemeClr val="tx2"/>
+              </a:buClr>
+              <a:buFont typeface="Wingdings" pitchFamily="2" charset="2"/>
+              <a:buNone/>
+              <a:defRPr sz="2400" kern="1200" spc="-60" baseline="0">
+                <a:solidFill>
+                  <a:schemeClr val="tx1">
+                    <a:tint val="75000"/>
+                  </a:schemeClr>
+                </a:solidFill>
+                <a:latin typeface="Segoe UI" panose="020B0502040204020203" pitchFamily="34" charset="0"/>
+                <a:ea typeface="+mn-ea"/>
+                <a:cs typeface="Segoe UI" panose="020B0502040204020203" pitchFamily="34" charset="0"/>
+              </a:defRPr>
+            </a:lvl1pPr>
+            <a:lvl2pPr marL="457200" indent="0" algn="ctr" defTabSz="914400" rtl="0" eaLnBrk="1" latinLnBrk="0" hangingPunct="1">
+              <a:spcBef>
+                <a:spcPct val="20000"/>
+              </a:spcBef>
+              <a:buClr>
+                <a:schemeClr val="tx2"/>
+              </a:buClr>
+              <a:buFont typeface="Arial" pitchFamily="34" charset="0"/>
+              <a:buNone/>
+              <a:defRPr sz="2400" kern="1200">
+                <a:solidFill>
+                  <a:schemeClr val="tx1">
+                    <a:tint val="75000"/>
+                  </a:schemeClr>
+                </a:solidFill>
+                <a:latin typeface="Segoe UI" panose="020B0502040204020203" pitchFamily="34" charset="0"/>
+                <a:ea typeface="+mn-ea"/>
+                <a:cs typeface="Segoe UI" panose="020B0502040204020203" pitchFamily="34" charset="0"/>
+              </a:defRPr>
+            </a:lvl2pPr>
+            <a:lvl3pPr marL="914400" indent="0" algn="ctr" defTabSz="914400" rtl="0" eaLnBrk="1" latinLnBrk="0" hangingPunct="1">
+              <a:spcBef>
+                <a:spcPct val="20000"/>
+              </a:spcBef>
+              <a:buClr>
+                <a:schemeClr val="tx2"/>
+              </a:buClr>
+              <a:buSzPct val="90000"/>
+              <a:buFont typeface="Wingdings" pitchFamily="2" charset="2"/>
+              <a:buNone/>
+              <a:defRPr sz="2400" kern="1200">
+                <a:solidFill>
+                  <a:schemeClr val="tx1">
+                    <a:tint val="75000"/>
+                  </a:schemeClr>
+                </a:solidFill>
+                <a:latin typeface="Segoe UI" panose="020B0502040204020203" pitchFamily="34" charset="0"/>
+                <a:ea typeface="+mn-ea"/>
+                <a:cs typeface="Segoe UI" panose="020B0502040204020203" pitchFamily="34" charset="0"/>
+              </a:defRPr>
+            </a:lvl3pPr>
+            <a:lvl4pPr marL="1371600" indent="0" algn="ctr" defTabSz="914400" rtl="0" eaLnBrk="1" latinLnBrk="0" hangingPunct="1">
+              <a:spcBef>
+                <a:spcPct val="20000"/>
+              </a:spcBef>
+              <a:buClr>
+                <a:schemeClr val="tx2"/>
+              </a:buClr>
+              <a:buSzPct val="90000"/>
+              <a:buFont typeface="Arial" pitchFamily="34" charset="0"/>
+              <a:buNone/>
+              <a:defRPr sz="2000" kern="1200">
+                <a:solidFill>
+                  <a:schemeClr val="tx1">
+                    <a:tint val="75000"/>
+                  </a:schemeClr>
+                </a:solidFill>
+                <a:latin typeface="Segoe UI" panose="020B0502040204020203" pitchFamily="34" charset="0"/>
+                <a:ea typeface="+mn-ea"/>
+                <a:cs typeface="Segoe UI" panose="020B0502040204020203" pitchFamily="34" charset="0"/>
+              </a:defRPr>
+            </a:lvl4pPr>
+            <a:lvl5pPr marL="1828800" indent="0" algn="ctr" defTabSz="914400" rtl="0" eaLnBrk="1" latinLnBrk="0" hangingPunct="1">
+              <a:spcBef>
+                <a:spcPct val="20000"/>
+              </a:spcBef>
+              <a:buClr>
+                <a:schemeClr val="tx2"/>
+              </a:buClr>
+              <a:buSzPct val="90000"/>
+              <a:buFont typeface="Wingdings" pitchFamily="2" charset="2"/>
+              <a:buNone/>
+              <a:defRPr sz="2000" i="1" kern="1200">
+                <a:solidFill>
+                  <a:schemeClr val="tx1">
+                    <a:tint val="75000"/>
+                  </a:schemeClr>
+                </a:solidFill>
+                <a:latin typeface="Segoe UI" panose="020B0502040204020203" pitchFamily="34" charset="0"/>
+                <a:ea typeface="+mn-ea"/>
+                <a:cs typeface="Segoe UI" panose="020B0502040204020203" pitchFamily="34" charset="0"/>
+              </a:defRPr>
+            </a:lvl5pPr>
+            <a:lvl6pPr marL="2286000" indent="0" algn="ctr" defTabSz="914400" rtl="0" eaLnBrk="1" latinLnBrk="0" hangingPunct="1">
+              <a:spcBef>
+                <a:spcPct val="20000"/>
+              </a:spcBef>
+              <a:buFont typeface="Arial" pitchFamily="34" charset="0"/>
+              <a:buNone/>
+              <a:defRPr sz="2000" kern="1200">
+                <a:solidFill>
+                  <a:schemeClr val="tx1">
+                    <a:tint val="75000"/>
+                  </a:schemeClr>
+                </a:solidFill>
+                <a:latin typeface="+mn-lt"/>
+                <a:ea typeface="+mn-ea"/>
+                <a:cs typeface="+mn-cs"/>
+              </a:defRPr>
+            </a:lvl6pPr>
+            <a:lvl7pPr marL="2743200" indent="0" algn="ctr" defTabSz="914400" rtl="0" eaLnBrk="1" latinLnBrk="0" hangingPunct="1">
+              <a:spcBef>
+                <a:spcPct val="20000"/>
+              </a:spcBef>
+              <a:buFont typeface="Arial" pitchFamily="34" charset="0"/>
+              <a:buNone/>
+              <a:defRPr sz="2000" kern="1200">
+                <a:solidFill>
+                  <a:schemeClr val="tx1">
+                    <a:tint val="75000"/>
+                  </a:schemeClr>
+                </a:solidFill>
+                <a:latin typeface="+mn-lt"/>
+                <a:ea typeface="+mn-ea"/>
+                <a:cs typeface="+mn-cs"/>
+              </a:defRPr>
+            </a:lvl7pPr>
+            <a:lvl8pPr marL="3200400" indent="0" algn="ctr" defTabSz="914400" rtl="0" eaLnBrk="1" latinLnBrk="0" hangingPunct="1">
+              <a:spcBef>
+                <a:spcPct val="20000"/>
+              </a:spcBef>
+              <a:buFont typeface="Arial" pitchFamily="34" charset="0"/>
+              <a:buNone/>
+              <a:defRPr sz="2000" kern="1200">
+                <a:solidFill>
+                  <a:schemeClr val="tx1">
+                    <a:tint val="75000"/>
+                  </a:schemeClr>
+                </a:solidFill>
+                <a:latin typeface="+mn-lt"/>
+                <a:ea typeface="+mn-ea"/>
+                <a:cs typeface="+mn-cs"/>
+              </a:defRPr>
+            </a:lvl8pPr>
+            <a:lvl9pPr marL="3657600" indent="0" algn="ctr" defTabSz="914400" rtl="0" eaLnBrk="1" latinLnBrk="0" hangingPunct="1">
+              <a:spcBef>
+                <a:spcPct val="20000"/>
+              </a:spcBef>
+              <a:buFont typeface="Arial" pitchFamily="34" charset="0"/>
+              <a:buNone/>
+              <a:defRPr sz="2000" kern="1200">
+                <a:solidFill>
+                  <a:schemeClr val="tx1">
+                    <a:tint val="75000"/>
+                  </a:schemeClr>
+                </a:solidFill>
+                <a:latin typeface="+mn-lt"/>
+                <a:ea typeface="+mn-ea"/>
+                <a:cs typeface="+mn-cs"/>
+              </a:defRPr>
+            </a:lvl9pPr>
+          </a:lstStyle>
+          <a:p>
+            <a:pPr algn="ctr"/>
+            <a:r>
+              <a:rPr lang="en-US" sz="3200" dirty="0"/>
+              <a:t>For long lived linking: </a:t>
+            </a:r>
+            <a:r>
+              <a:rPr lang="en-US" sz="3200" dirty="0">
+                <a:hlinkClick r:id="rId3"/>
+              </a:rPr>
+              <a:t>dotutils.net/</a:t>
+            </a:r>
+            <a:r>
+              <a:rPr lang="en-US" sz="3200" dirty="0" err="1">
+                <a:hlinkClick r:id="rId3"/>
+              </a:rPr>
+              <a:t>wug</a:t>
+            </a:r>
+            <a:r>
+              <a:rPr lang="en-US" sz="3200" dirty="0">
+                <a:hlinkClick r:id="rId3"/>
+              </a:rPr>
+              <a:t>-talk-analyzers</a:t>
+            </a:r>
+            <a:endParaRPr lang="en-US" sz="3200" dirty="0"/>
+          </a:p>
+        </p:txBody>
+      </p:sp>
+    </p:spTree>
+    <p:extLst>
+      <p:ext uri="{BB962C8B-B14F-4D97-AF65-F5344CB8AC3E}">
+        <p14:creationId xmlns:p14="http://schemas.microsoft.com/office/powerpoint/2010/main" val="2933133780"/>
+      </p:ext>
+    </p:extLst>
+  </p:cSld>
+  <p:clrMapOvr>
+    <a:masterClrMapping/>
+  </p:clrMapOvr>
+</p:sld>
+</file>
+
+<file path=ppt/slides/slide3.xml><?xml version="1.0" encoding="utf-8"?>
+<p:sld xmlns:a="http://schemas.openxmlformats.org/drawingml/2006/main" xmlns:r="http://schemas.openxmlformats.org/officeDocument/2006/relationships" xmlns:p="http://schemas.openxmlformats.org/presentationml/2006/main">
+  <p:cSld>
+    <p:spTree>
+      <p:nvGrpSpPr>
+        <p:cNvPr id="1" name=""/>
+        <p:cNvGrpSpPr/>
+        <p:nvPr/>
+      </p:nvGrpSpPr>
+      <p:grpSpPr>
+        <a:xfrm>
+          <a:off x="0" y="0"/>
+          <a:ext cx="0" cy="0"/>
+          <a:chOff x="0" y="0"/>
+          <a:chExt cx="0" cy="0"/>
+        </a:xfrm>
+      </p:grpSpPr>
+      <p:sp>
+        <p:nvSpPr>
           <p:cNvPr id="5" name="Title 4"/>
           <p:cNvSpPr>
             <a:spLocks noGrp="1"/>
@@ -6576,189 +7292,6 @@
 </p:sld>
 </file>
 
-<file path=ppt/slides/slide3.xml><?xml version="1.0" encoding="utf-8"?>
-<p:sld xmlns:a="http://schemas.openxmlformats.org/drawingml/2006/main" xmlns:r="http://schemas.openxmlformats.org/officeDocument/2006/relationships" xmlns:p="http://schemas.openxmlformats.org/presentationml/2006/main">
-  <p:cSld>
-    <p:spTree>
-      <p:nvGrpSpPr>
-        <p:cNvPr id="1" name=""/>
-        <p:cNvGrpSpPr/>
-        <p:nvPr/>
-      </p:nvGrpSpPr>
-      <p:grpSpPr>
-        <a:xfrm>
-          <a:off x="0" y="0"/>
-          <a:ext cx="0" cy="0"/>
-          <a:chOff x="0" y="0"/>
-          <a:chExt cx="0" cy="0"/>
-        </a:xfrm>
-      </p:grpSpPr>
-      <p:sp>
-        <p:nvSpPr>
-          <p:cNvPr id="2" name="Title 1"/>
-          <p:cNvSpPr>
-            <a:spLocks noGrp="1"/>
-          </p:cNvSpPr>
-          <p:nvPr>
-            <p:ph type="title"/>
-          </p:nvPr>
-        </p:nvSpPr>
-        <p:spPr/>
-        <p:txBody>
-          <a:bodyPr/>
-          <a:lstStyle/>
-          <a:p>
-            <a:r>
-              <a:rPr lang="en-US" dirty="0"/>
-              <a:t>Agenda</a:t>
-            </a:r>
-            <a:endParaRPr lang="cs-CZ" dirty="0"/>
-          </a:p>
-        </p:txBody>
-      </p:sp>
-      <p:sp>
-        <p:nvSpPr>
-          <p:cNvPr id="3" name="Content Placeholder 2"/>
-          <p:cNvSpPr>
-            <a:spLocks noGrp="1"/>
-          </p:cNvSpPr>
-          <p:nvPr>
-            <p:ph idx="1"/>
-          </p:nvPr>
-        </p:nvSpPr>
-        <p:spPr/>
-        <p:txBody>
-          <a:bodyPr/>
-          <a:lstStyle/>
-          <a:p>
-            <a:pPr marL="378000" indent="-378000">
-              <a:buFont typeface="+mj-lt"/>
-              <a:buAutoNum type="arabicPeriod"/>
-            </a:pPr>
-            <a:r>
-              <a:rPr lang="en-US" dirty="0"/>
-              <a:t>Roslyn Analyzers</a:t>
-            </a:r>
-          </a:p>
-          <a:p>
-            <a:pPr marL="663750" lvl="1" indent="-378000">
-              <a:buFont typeface="+mj-lt"/>
-              <a:buAutoNum type="arabicPeriod"/>
-            </a:pPr>
-            <a:r>
-              <a:rPr lang="en-US" dirty="0"/>
-              <a:t>Configuration</a:t>
-            </a:r>
-          </a:p>
-          <a:p>
-            <a:pPr marL="663750" lvl="1" indent="-378000">
-              <a:buFont typeface="+mj-lt"/>
-              <a:buAutoNum type="arabicPeriod"/>
-            </a:pPr>
-            <a:r>
-              <a:rPr lang="en-US" dirty="0"/>
-              <a:t>Defaults</a:t>
-            </a:r>
-          </a:p>
-          <a:p>
-            <a:pPr marL="663750" lvl="1" indent="-378000">
-              <a:buFont typeface="+mj-lt"/>
-              <a:buAutoNum type="arabicPeriod"/>
-            </a:pPr>
-            <a:r>
-              <a:rPr lang="en-US" dirty="0"/>
-              <a:t>Custom Analyzers</a:t>
-            </a:r>
-          </a:p>
-          <a:p>
-            <a:pPr marL="663750" lvl="1" indent="-378000">
-              <a:buFont typeface="+mj-lt"/>
-              <a:buAutoNum type="arabicPeriod"/>
-            </a:pPr>
-            <a:r>
-              <a:rPr lang="en-US" dirty="0"/>
-              <a:t>Troubleshooting</a:t>
-            </a:r>
-          </a:p>
-          <a:p>
-            <a:pPr marL="378000" indent="-378000">
-              <a:buFont typeface="+mj-lt"/>
-              <a:buAutoNum type="arabicPeriod"/>
-            </a:pPr>
-            <a:r>
-              <a:rPr lang="en-US" dirty="0"/>
-              <a:t>MSBuild Checks</a:t>
-            </a:r>
-          </a:p>
-          <a:p>
-            <a:pPr marL="663750" lvl="1" indent="-378000">
-              <a:buFont typeface="+mj-lt"/>
-              <a:buAutoNum type="arabicPeriod"/>
-            </a:pPr>
-            <a:r>
-              <a:rPr lang="en-US" dirty="0"/>
-              <a:t>Configuration</a:t>
-            </a:r>
-          </a:p>
-          <a:p>
-            <a:pPr marL="663750" lvl="1" indent="-378000">
-              <a:buFont typeface="+mj-lt"/>
-              <a:buAutoNum type="arabicPeriod"/>
-            </a:pPr>
-            <a:r>
-              <a:rPr lang="en-US" dirty="0"/>
-              <a:t>Defaults</a:t>
-            </a:r>
-          </a:p>
-          <a:p>
-            <a:pPr marL="663750" lvl="1" indent="-378000">
-              <a:buFont typeface="+mj-lt"/>
-              <a:buAutoNum type="arabicPeriod"/>
-            </a:pPr>
-            <a:r>
-              <a:rPr lang="en-US" dirty="0"/>
-              <a:t>Custom Analyzers</a:t>
-            </a:r>
-          </a:p>
-          <a:p>
-            <a:pPr marL="663750" lvl="1" indent="-378000">
-              <a:buFont typeface="+mj-lt"/>
-              <a:buAutoNum type="arabicPeriod"/>
-            </a:pPr>
-            <a:r>
-              <a:rPr lang="en-US" dirty="0"/>
-              <a:t>Troubleshooting</a:t>
-            </a:r>
-          </a:p>
-          <a:p>
-            <a:pPr marL="378000" indent="-378000">
-              <a:buFont typeface="+mj-lt"/>
-              <a:buAutoNum type="arabicPeriod"/>
-            </a:pPr>
-            <a:endParaRPr lang="cs-CZ" dirty="0"/>
-          </a:p>
-          <a:p>
-            <a:pPr marL="514350" indent="-514350">
-              <a:buFont typeface="+mj-lt"/>
-              <a:buAutoNum type="arabicPeriod"/>
-            </a:pPr>
-            <a:endParaRPr lang="cs-CZ" dirty="0"/>
-          </a:p>
-        </p:txBody>
-      </p:sp>
-    </p:spTree>
-    <p:extLst>
-      <p:ext uri="{BB962C8B-B14F-4D97-AF65-F5344CB8AC3E}">
-        <p14:creationId xmlns:p14="http://schemas.microsoft.com/office/powerpoint/2010/main" val="151988533"/>
-      </p:ext>
-    </p:extLst>
-  </p:cSld>
-  <p:clrMapOvr>
-    <a:masterClrMapping/>
-  </p:clrMapOvr>
-</p:sld>
-</file>
-
 <file path=ppt/slides/slide4.xml><?xml version="1.0" encoding="utf-8"?>
 <p:sld xmlns:a="http://schemas.openxmlformats.org/drawingml/2006/main" xmlns:r="http://schemas.openxmlformats.org/officeDocument/2006/relationships" xmlns:p="http://schemas.openxmlformats.org/presentationml/2006/main">
   <p:cSld>
@@ -6793,7 +7326,7 @@
           <a:p>
             <a:r>
               <a:rPr lang="en-US" dirty="0"/>
-              <a:t>Roslyn analyzers – configuration</a:t>
+              <a:t>Agenda</a:t>
             </a:r>
             <a:endParaRPr lang="cs-CZ" dirty="0"/>
           </a:p>
@@ -6813,6 +7346,106 @@
         <p:txBody>
           <a:bodyPr/>
           <a:lstStyle/>
+          <a:p>
+            <a:pPr marL="378000" indent="-378000">
+              <a:buFont typeface="+mj-lt"/>
+              <a:buAutoNum type="arabicPeriod"/>
+            </a:pPr>
+            <a:r>
+              <a:rPr lang="en-US" dirty="0"/>
+              <a:t>Roslyn Analyzers</a:t>
+            </a:r>
+          </a:p>
+          <a:p>
+            <a:pPr marL="663750" lvl="1" indent="-378000">
+              <a:buFont typeface="+mj-lt"/>
+              <a:buAutoNum type="arabicPeriod"/>
+            </a:pPr>
+            <a:r>
+              <a:rPr lang="en-US" dirty="0"/>
+              <a:t>Configuration</a:t>
+            </a:r>
+          </a:p>
+          <a:p>
+            <a:pPr marL="663750" lvl="1" indent="-378000">
+              <a:buFont typeface="+mj-lt"/>
+              <a:buAutoNum type="arabicPeriod"/>
+            </a:pPr>
+            <a:r>
+              <a:rPr lang="en-US" dirty="0"/>
+              <a:t>Defaults</a:t>
+            </a:r>
+          </a:p>
+          <a:p>
+            <a:pPr marL="663750" lvl="1" indent="-378000">
+              <a:buFont typeface="+mj-lt"/>
+              <a:buAutoNum type="arabicPeriod"/>
+            </a:pPr>
+            <a:r>
+              <a:rPr lang="en-US" dirty="0"/>
+              <a:t>Custom Analyzers</a:t>
+            </a:r>
+          </a:p>
+          <a:p>
+            <a:pPr marL="663750" lvl="1" indent="-378000">
+              <a:buFont typeface="+mj-lt"/>
+              <a:buAutoNum type="arabicPeriod"/>
+            </a:pPr>
+            <a:r>
+              <a:rPr lang="en-US" dirty="0"/>
+              <a:t>Troubleshooting</a:t>
+            </a:r>
+          </a:p>
+          <a:p>
+            <a:pPr marL="378000" indent="-378000">
+              <a:buFont typeface="+mj-lt"/>
+              <a:buAutoNum type="arabicPeriod"/>
+            </a:pPr>
+            <a:r>
+              <a:rPr lang="en-US" dirty="0"/>
+              <a:t>MSBuild Checks</a:t>
+            </a:r>
+          </a:p>
+          <a:p>
+            <a:pPr marL="663750" lvl="1" indent="-378000">
+              <a:buFont typeface="+mj-lt"/>
+              <a:buAutoNum type="arabicPeriod"/>
+            </a:pPr>
+            <a:r>
+              <a:rPr lang="en-US" dirty="0"/>
+              <a:t>Configuration</a:t>
+            </a:r>
+          </a:p>
+          <a:p>
+            <a:pPr marL="663750" lvl="1" indent="-378000">
+              <a:buFont typeface="+mj-lt"/>
+              <a:buAutoNum type="arabicPeriod"/>
+            </a:pPr>
+            <a:r>
+              <a:rPr lang="en-US" dirty="0"/>
+              <a:t>Defaults</a:t>
+            </a:r>
+          </a:p>
+          <a:p>
+            <a:pPr marL="663750" lvl="1" indent="-378000">
+              <a:buFont typeface="+mj-lt"/>
+              <a:buAutoNum type="arabicPeriod"/>
+            </a:pPr>
+            <a:r>
+              <a:rPr lang="en-US" dirty="0"/>
+              <a:t>Custom Analyzers</a:t>
+            </a:r>
+          </a:p>
+          <a:p>
+            <a:pPr marL="663750" lvl="1" indent="-378000">
+              <a:buFont typeface="+mj-lt"/>
+              <a:buAutoNum type="arabicPeriod"/>
+            </a:pPr>
+            <a:r>
+              <a:rPr lang="en-US" dirty="0"/>
+              <a:t>Troubleshooting</a:t>
+            </a:r>
+          </a:p>
           <a:p>
             <a:pPr marL="378000" indent="-378000">
               <a:buFont typeface="+mj-lt"/>
@@ -6821,67 +7454,10 @@
             <a:endParaRPr lang="cs-CZ" dirty="0"/>
           </a:p>
           <a:p>
-            <a:r>
-              <a:rPr lang="en-US" dirty="0" err="1"/>
-              <a:t>editorconfig</a:t>
-            </a:r>
-            <a:r>
-              <a:rPr lang="en-US" dirty="0"/>
-              <a:t> (</a:t>
-            </a:r>
-            <a:r>
-              <a:rPr lang="en-US" dirty="0" err="1"/>
-              <a:t>sdk</a:t>
-            </a:r>
-            <a:r>
-              <a:rPr lang="en-US" dirty="0"/>
-              <a:t>/VS template)</a:t>
-            </a:r>
-          </a:p>
-          <a:p>
-            <a:pPr lvl="1"/>
-            <a:r>
-              <a:rPr lang="en-US" i="1" dirty="0" err="1"/>
-              <a:t>dotnet_diagnostic.rule.severity</a:t>
-            </a:r>
-            <a:endParaRPr lang="en-US" i="1" dirty="0"/>
-          </a:p>
-          <a:p>
-            <a:r>
-              <a:rPr lang="en-US" dirty="0"/>
-              <a:t>MSBuild knobs:</a:t>
-            </a:r>
-          </a:p>
-          <a:p>
-            <a:pPr lvl="1"/>
-            <a:r>
-              <a:rPr lang="cs-CZ" dirty="0" err="1"/>
-              <a:t>TreatWarningsAsErrors</a:t>
-            </a:r>
-            <a:endParaRPr lang="en-US" dirty="0"/>
-          </a:p>
-          <a:p>
-            <a:pPr lvl="1"/>
-            <a:r>
-              <a:rPr lang="en-US" dirty="0" err="1"/>
-              <a:t>WarningsAsErrors</a:t>
-            </a:r>
-            <a:endParaRPr lang="en-US" dirty="0"/>
-          </a:p>
-          <a:p>
-            <a:pPr lvl="1"/>
-            <a:r>
-              <a:rPr lang="cs-CZ" dirty="0" err="1"/>
-              <a:t>WarningsNotAsErrors</a:t>
-            </a:r>
-            <a:endParaRPr lang="en-US" dirty="0"/>
-          </a:p>
-          <a:p>
-            <a:pPr lvl="1"/>
-            <a:r>
-              <a:rPr lang="en-US" dirty="0" err="1"/>
-              <a:t>NoWarn</a:t>
-            </a:r>
+            <a:pPr marL="514350" indent="-514350">
+              <a:buFont typeface="+mj-lt"/>
+              <a:buAutoNum type="arabicPeriod"/>
+            </a:pPr>
             <a:endParaRPr lang="cs-CZ" dirty="0"/>
           </a:p>
         </p:txBody>
@@ -6889,7 +7465,7 @@
     </p:spTree>
     <p:extLst>
       <p:ext uri="{BB962C8B-B14F-4D97-AF65-F5344CB8AC3E}">
-        <p14:creationId xmlns:p14="http://schemas.microsoft.com/office/powerpoint/2010/main" val="2012178450"/>
+        <p14:creationId xmlns:p14="http://schemas.microsoft.com/office/powerpoint/2010/main" val="151988533"/>
       </p:ext>
     </p:extLst>
   </p:cSld>
@@ -6933,7 +7509,7 @@
           <a:p>
             <a:r>
               <a:rPr lang="en-US" dirty="0"/>
-              <a:t>Roslyn analyzers – defaults</a:t>
+              <a:t>Roslyn analyzers – configuration</a:t>
             </a:r>
             <a:endParaRPr lang="cs-CZ" dirty="0"/>
           </a:p>
@@ -6962,35 +7538,65 @@
           </a:p>
           <a:p>
             <a:r>
+              <a:rPr lang="en-US" dirty="0" err="1"/>
+              <a:t>editorconfig</a:t>
+            </a:r>
+            <a:r>
               <a:rPr lang="en-US" dirty="0"/>
-              <a:t>Defaults: </a:t>
-            </a:r>
-            <a:r>
-              <a:rPr lang="en-US" dirty="0">
-                <a:hlinkClick r:id="rId2"/>
-              </a:rPr>
-              <a:t>Code Analysis - Enabled rules</a:t>
+              <a:t> (</a:t>
+            </a:r>
+            <a:r>
+              <a:rPr lang="en-US" dirty="0" err="1"/>
+              <a:t>sdk</a:t>
+            </a:r>
+            <a:r>
+              <a:rPr lang="en-US" dirty="0"/>
+              <a:t>/VS template)</a:t>
+            </a:r>
+          </a:p>
+          <a:p>
+            <a:pPr lvl="1"/>
+            <a:r>
+              <a:rPr lang="en-US" i="1" dirty="0" err="1"/>
+              <a:t>dotnet_diagnostic.rule.severity</a:t>
+            </a:r>
+            <a:endParaRPr lang="en-US" i="1" dirty="0"/>
+          </a:p>
+          <a:p>
+            <a:r>
+              <a:rPr lang="en-US" dirty="0"/>
+              <a:t>MSBuild knobs:</a:t>
+            </a:r>
+          </a:p>
+          <a:p>
+            <a:pPr lvl="1"/>
+            <a:r>
+              <a:rPr lang="cs-CZ" dirty="0" err="1"/>
+              <a:t>TreatWarningsAsErrors</a:t>
             </a:r>
             <a:endParaRPr lang="en-US" dirty="0"/>
           </a:p>
           <a:p>
-            <a:r>
-              <a:rPr lang="en-US" dirty="0">
-                <a:hlinkClick r:id="rId3"/>
-              </a:rPr>
-              <a:t>AnalysisLevel</a:t>
-            </a:r>
-            <a:r>
-              <a:rPr lang="en-US" dirty="0"/>
-              <a:t> (vs </a:t>
-            </a:r>
+            <a:pPr lvl="1"/>
             <a:r>
               <a:rPr lang="en-US" dirty="0" err="1"/>
-              <a:t>AnalysisMode</a:t>
-            </a:r>
-            <a:r>
-              <a:rPr lang="en-US" dirty="0"/>
-              <a:t>)</a:t>
+              <a:t>WarningsAsErrors</a:t>
+            </a:r>
+            <a:endParaRPr lang="en-US" dirty="0"/>
+          </a:p>
+          <a:p>
+            <a:pPr lvl="1"/>
+            <a:r>
+              <a:rPr lang="cs-CZ" dirty="0" err="1"/>
+              <a:t>WarningsNotAsErrors</a:t>
+            </a:r>
+            <a:endParaRPr lang="en-US" dirty="0"/>
+          </a:p>
+          <a:p>
+            <a:pPr lvl="1"/>
+            <a:r>
+              <a:rPr lang="en-US" dirty="0" err="1"/>
+              <a:t>NoWarn</a:t>
             </a:r>
             <a:endParaRPr lang="cs-CZ" dirty="0"/>
           </a:p>
@@ -6999,7 +7605,7 @@
     </p:spTree>
     <p:extLst>
       <p:ext uri="{BB962C8B-B14F-4D97-AF65-F5344CB8AC3E}">
-        <p14:creationId xmlns:p14="http://schemas.microsoft.com/office/powerpoint/2010/main" val="2424840111"/>
+        <p14:creationId xmlns:p14="http://schemas.microsoft.com/office/powerpoint/2010/main" val="2012178450"/>
       </p:ext>
     </p:extLst>
   </p:cSld>
@@ -7043,7 +7649,7 @@
           <a:p>
             <a:r>
               <a:rPr lang="en-US" dirty="0"/>
-              <a:t>Roslyn analyzers – custom</a:t>
+              <a:t>Roslyn analyzers – defaults</a:t>
             </a:r>
             <a:endParaRPr lang="cs-CZ" dirty="0"/>
           </a:p>
@@ -7072,60 +7678,35 @@
           </a:p>
           <a:p>
             <a:r>
+              <a:rPr lang="en-US" dirty="0"/>
+              <a:t>Defaults: </a:t>
+            </a:r>
+            <a:r>
               <a:rPr lang="en-US" dirty="0">
                 <a:hlinkClick r:id="rId2"/>
               </a:rPr>
-              <a:t>Tutorial</a:t>
+              <a:t>Code Analysis - Enabled rules</a:t>
             </a:r>
             <a:endParaRPr lang="en-US" dirty="0"/>
           </a:p>
           <a:p>
             <a:r>
+              <a:rPr lang="en-US" dirty="0">
+                <a:hlinkClick r:id="rId3"/>
+              </a:rPr>
+              <a:t>AnalysisLevel</a:t>
+            </a:r>
+            <a:r>
               <a:rPr lang="en-US" dirty="0"/>
-              <a:t>Steps</a:t>
-            </a:r>
-          </a:p>
-          <a:p>
-            <a:pPr lvl="1"/>
+              <a:t> (vs </a:t>
+            </a:r>
+            <a:r>
+              <a:rPr lang="en-US" dirty="0" err="1"/>
+              <a:t>AnalysisMode</a:t>
+            </a:r>
             <a:r>
               <a:rPr lang="en-US" dirty="0"/>
-              <a:t>Install VS extension development workload</a:t>
-            </a:r>
-          </a:p>
-          <a:p>
-            <a:pPr lvl="1"/>
-            <a:r>
-              <a:rPr lang="en-US" dirty="0"/>
-              <a:t>Instantiate Analyzer with code fix template</a:t>
-            </a:r>
-          </a:p>
-          <a:p>
-            <a:pPr lvl="1"/>
-            <a:r>
-              <a:rPr lang="en-US" dirty="0"/>
-              <a:t>Run through </a:t>
-            </a:r>
-            <a:r>
-              <a:rPr lang="en-US" dirty="0" err="1"/>
-              <a:t>vsix</a:t>
-            </a:r>
-            <a:r>
-              <a:rPr lang="en-US" dirty="0"/>
-              <a:t> project</a:t>
-            </a:r>
-          </a:p>
-          <a:p>
-            <a:pPr lvl="1"/>
-            <a:r>
-              <a:rPr lang="en-US" dirty="0"/>
-              <a:t>Experiment with MSBuild knobs for diagnostic id</a:t>
-            </a:r>
-          </a:p>
-          <a:p>
-            <a:pPr lvl="1"/>
-            <a:r>
-              <a:rPr lang="en-US" dirty="0"/>
-              <a:t>Build package, reference in sample project</a:t>
+              <a:t>)</a:t>
             </a:r>
             <a:endParaRPr lang="cs-CZ" dirty="0"/>
           </a:p>
@@ -7134,7 +7715,7 @@
     </p:spTree>
     <p:extLst>
       <p:ext uri="{BB962C8B-B14F-4D97-AF65-F5344CB8AC3E}">
-        <p14:creationId xmlns:p14="http://schemas.microsoft.com/office/powerpoint/2010/main" val="3612146292"/>
+        <p14:creationId xmlns:p14="http://schemas.microsoft.com/office/powerpoint/2010/main" val="2424840111"/>
       </p:ext>
     </p:extLst>
   </p:cSld>
@@ -7178,7 +7759,7 @@
           <a:p>
             <a:r>
               <a:rPr lang="en-US" dirty="0"/>
-              <a:t>Roslyn analyzers – troubleshooting</a:t>
+              <a:t>Roslyn analyzers – custom</a:t>
             </a:r>
             <a:endParaRPr lang="cs-CZ" dirty="0"/>
           </a:p>
@@ -7207,47 +7788,60 @@
           </a:p>
           <a:p>
             <a:r>
-              <a:rPr lang="en-US" dirty="0" err="1"/>
-              <a:t>ReportAnalyzer</a:t>
-            </a:r>
-            <a:r>
-              <a:rPr lang="en-US" dirty="0"/>
-              <a:t> property       </a:t>
-            </a:r>
-            <a:r>
-              <a:rPr lang="en-US" b="1" dirty="0">
-                <a:latin typeface="Ink Free" panose="03080402000500000000" pitchFamily="66" charset="0"/>
-              </a:rPr>
-              <a:t>&gt; dotnet build /</a:t>
-            </a:r>
-            <a:r>
-              <a:rPr lang="en-US" b="1" dirty="0" err="1">
-                <a:latin typeface="Ink Free" panose="03080402000500000000" pitchFamily="66" charset="0"/>
-              </a:rPr>
-              <a:t>p:reportanalyzer</a:t>
-            </a:r>
-            <a:r>
-              <a:rPr lang="en-US" b="1" dirty="0">
-                <a:latin typeface="Ink Free" panose="03080402000500000000" pitchFamily="66" charset="0"/>
-              </a:rPr>
-              <a:t>=true</a:t>
-            </a:r>
-            <a:endParaRPr lang="cs-CZ" b="1" dirty="0">
-              <a:latin typeface="Ink Free" panose="03080402000500000000" pitchFamily="66" charset="0"/>
-            </a:endParaRPr>
-          </a:p>
-          <a:p>
-            <a:r>
               <a:rPr lang="en-US" dirty="0">
                 <a:hlinkClick r:id="rId2"/>
               </a:rPr>
-              <a:t>MSBuild </a:t>
-            </a:r>
-            <a:r>
-              <a:rPr lang="en-US" dirty="0" err="1">
-                <a:hlinkClick r:id="rId2"/>
-              </a:rPr>
-              <a:t>binlog</a:t>
+              <a:t>Tutorial</a:t>
+            </a:r>
+            <a:endParaRPr lang="en-US" dirty="0"/>
+          </a:p>
+          <a:p>
+            <a:r>
+              <a:rPr lang="en-US" dirty="0"/>
+              <a:t>Steps</a:t>
+            </a:r>
+          </a:p>
+          <a:p>
+            <a:pPr lvl="1"/>
+            <a:r>
+              <a:rPr lang="en-US" dirty="0"/>
+              <a:t>Install VS extension development workload</a:t>
+            </a:r>
+          </a:p>
+          <a:p>
+            <a:pPr lvl="1"/>
+            <a:r>
+              <a:rPr lang="en-US" dirty="0"/>
+              <a:t>Instantiate Analyzer with code fix template</a:t>
+            </a:r>
+          </a:p>
+          <a:p>
+            <a:pPr lvl="1"/>
+            <a:r>
+              <a:rPr lang="en-US" dirty="0"/>
+              <a:t>Run through </a:t>
+            </a:r>
+            <a:r>
+              <a:rPr lang="en-US" dirty="0" err="1"/>
+              <a:t>vsix</a:t>
+            </a:r>
+            <a:r>
+              <a:rPr lang="en-US" dirty="0"/>
+              <a:t> project</a:t>
+            </a:r>
+          </a:p>
+          <a:p>
+            <a:pPr lvl="1"/>
+            <a:r>
+              <a:rPr lang="en-US" dirty="0"/>
+              <a:t>Experiment with MSBuild knobs for diagnostic id</a:t>
+            </a:r>
+          </a:p>
+          <a:p>
+            <a:pPr lvl="1"/>
+            <a:r>
+              <a:rPr lang="en-US" dirty="0"/>
+              <a:t>Build package, reference in sample project</a:t>
             </a:r>
             <a:endParaRPr lang="cs-CZ" dirty="0"/>
           </a:p>
@@ -7256,7 +7850,7 @@
     </p:spTree>
     <p:extLst>
       <p:ext uri="{BB962C8B-B14F-4D97-AF65-F5344CB8AC3E}">
-        <p14:creationId xmlns:p14="http://schemas.microsoft.com/office/powerpoint/2010/main" val="913337464"/>
+        <p14:creationId xmlns:p14="http://schemas.microsoft.com/office/powerpoint/2010/main" val="3612146292"/>
       </p:ext>
     </p:extLst>
   </p:cSld>
@@ -7299,20 +7893,8 @@
           <a:lstStyle/>
           <a:p>
             <a:r>
-              <a:rPr lang="cs-CZ" dirty="0"/>
-              <a:t>MSBuild </a:t>
-            </a:r>
-            <a:r>
-              <a:rPr lang="cs-CZ" dirty="0" err="1"/>
-              <a:t>BuildCheck</a:t>
-            </a:r>
-            <a:r>
-              <a:rPr lang="cs-CZ" dirty="0"/>
-              <a:t> </a:t>
-            </a:r>
-            <a:r>
               <a:rPr lang="en-US" dirty="0"/>
-              <a:t>– defaults</a:t>
+              <a:t>Roslyn analyzers – troubleshooting</a:t>
             </a:r>
             <a:endParaRPr lang="cs-CZ" dirty="0"/>
           </a:p>
@@ -7341,58 +7923,56 @@
           </a:p>
           <a:p>
             <a:r>
+              <a:rPr lang="en-US" dirty="0" err="1"/>
+              <a:t>ReportAnalyzer</a:t>
+            </a:r>
+            <a:r>
               <a:rPr lang="en-US" dirty="0"/>
-              <a:t>Only SDK/CLI, only via explicit opt-in</a:t>
-            </a:r>
-          </a:p>
-          <a:p>
-            <a:pPr marL="0" indent="0">
-              <a:buNone/>
-            </a:pPr>
-            <a:r>
-              <a:rPr lang="en-US" dirty="0"/>
-              <a:t>          </a:t>
-            </a:r>
-            <a:r>
-              <a:rPr lang="en-US" sz="4400" b="1" dirty="0">
+              <a:t> property       </a:t>
+            </a:r>
+            <a:r>
+              <a:rPr lang="en-US" b="1" dirty="0">
                 <a:latin typeface="Ink Free" panose="03080402000500000000" pitchFamily="66" charset="0"/>
               </a:rPr>
-              <a:t>&gt; dotnet build </a:t>
-            </a:r>
-            <a:r>
-              <a:rPr lang="en-US" sz="4400" b="1" u="sng" dirty="0">
+              <a:t>&gt; dotnet build /</a:t>
+            </a:r>
+            <a:r>
+              <a:rPr lang="en-US" b="1" dirty="0" err="1">
                 <a:latin typeface="Ink Free" panose="03080402000500000000" pitchFamily="66" charset="0"/>
               </a:rPr>
-              <a:t>/check</a:t>
-            </a:r>
-          </a:p>
-          <a:p>
-            <a:pPr marL="0" indent="0">
-              <a:buNone/>
-            </a:pPr>
-            <a:endParaRPr lang="en-US" sz="4000" b="1" u="sng" dirty="0">
+              <a:t>p:reportanalyzer</a:t>
+            </a:r>
+            <a:r>
+              <a:rPr lang="en-US" b="1" dirty="0">
+                <a:latin typeface="Ink Free" panose="03080402000500000000" pitchFamily="66" charset="0"/>
+              </a:rPr>
+              <a:t>=true</a:t>
+            </a:r>
+            <a:endParaRPr lang="cs-CZ" b="1" dirty="0">
               <a:latin typeface="Ink Free" panose="03080402000500000000" pitchFamily="66" charset="0"/>
             </a:endParaRPr>
           </a:p>
           <a:p>
-            <a:r>
-              <a:rPr lang="en-US" dirty="0"/>
-              <a:t>Couple inbox rules: </a:t>
-            </a:r>
             <a:r>
               <a:rPr lang="en-US" dirty="0">
                 <a:hlinkClick r:id="rId2"/>
               </a:rPr>
-              <a:t>documentation</a:t>
-            </a:r>
-            <a:endParaRPr lang="en-US" dirty="0"/>
+              <a:t>MSBuild </a:t>
+            </a:r>
+            <a:r>
+              <a:rPr lang="en-US" dirty="0" err="1">
+                <a:hlinkClick r:id="rId2"/>
+              </a:rPr>
+              <a:t>binlog</a:t>
+            </a:r>
+            <a:endParaRPr lang="cs-CZ" dirty="0"/>
           </a:p>
         </p:txBody>
       </p:sp>
     </p:spTree>
     <p:extLst>
       <p:ext uri="{BB962C8B-B14F-4D97-AF65-F5344CB8AC3E}">
-        <p14:creationId xmlns:p14="http://schemas.microsoft.com/office/powerpoint/2010/main" val="384534369"/>
+        <p14:creationId xmlns:p14="http://schemas.microsoft.com/office/powerpoint/2010/main" val="913337464"/>
       </p:ext>
     </p:extLst>
   </p:cSld>
@@ -7448,7 +8028,7 @@
             </a:r>
             <a:r>
               <a:rPr lang="en-US" dirty="0"/>
-              <a:t>– configuration</a:t>
+              <a:t>– defaults</a:t>
             </a:r>
             <a:endParaRPr lang="cs-CZ" dirty="0"/>
           </a:p>
@@ -7477,93 +8057,50 @@
           </a:p>
           <a:p>
             <a:r>
-              <a:rPr lang="cs-CZ" dirty="0"/>
-              <a:t>e</a:t>
-            </a:r>
-            <a:r>
-              <a:rPr lang="en-US" dirty="0" err="1"/>
-              <a:t>ditorconfig</a:t>
-            </a:r>
-            <a:r>
-              <a:rPr lang="cs-CZ" dirty="0"/>
-              <a:t> – </a:t>
-            </a:r>
-            <a:r>
-              <a:rPr lang="cs-CZ" dirty="0">
+              <a:rPr lang="en-US" dirty="0"/>
+              <a:t>Only SDK/CLI, only via explicit opt-in</a:t>
+            </a:r>
+          </a:p>
+          <a:p>
+            <a:pPr marL="0" indent="0">
+              <a:buNone/>
+            </a:pPr>
+            <a:r>
+              <a:rPr lang="en-US" dirty="0"/>
+              <a:t>          </a:t>
+            </a:r>
+            <a:r>
+              <a:rPr lang="en-US" sz="4400" b="1" dirty="0">
+                <a:latin typeface="Ink Free" panose="03080402000500000000" pitchFamily="66" charset="0"/>
+              </a:rPr>
+              <a:t>&gt; dotnet build </a:t>
+            </a:r>
+            <a:r>
+              <a:rPr lang="en-US" sz="4400" b="1" u="sng" dirty="0">
+                <a:latin typeface="Ink Free" panose="03080402000500000000" pitchFamily="66" charset="0"/>
+              </a:rPr>
+              <a:t>/check</a:t>
+            </a:r>
+          </a:p>
+          <a:p>
+            <a:pPr marL="0" indent="0">
+              <a:buNone/>
+            </a:pPr>
+            <a:endParaRPr lang="en-US" sz="4000" b="1" u="sng" dirty="0">
+              <a:latin typeface="Ink Free" panose="03080402000500000000" pitchFamily="66" charset="0"/>
+            </a:endParaRPr>
+          </a:p>
+          <a:p>
+            <a:r>
+              <a:rPr lang="en-US" dirty="0"/>
+              <a:t>Couple inbox rules: </a:t>
+            </a:r>
+            <a:r>
+              <a:rPr lang="en-US" dirty="0">
                 <a:hlinkClick r:id="rId2"/>
               </a:rPr>
               <a:t>documentation</a:t>
             </a:r>
-            <a:endParaRPr lang="cs-CZ" dirty="0"/>
-          </a:p>
-          <a:p>
-            <a:pPr lvl="1"/>
-            <a:r>
-              <a:rPr lang="en-US" i="1" dirty="0"/>
-              <a:t>b</a:t>
-            </a:r>
-            <a:r>
-              <a:rPr lang="cs-CZ" i="1" dirty="0" err="1"/>
-              <a:t>uild</a:t>
-            </a:r>
-            <a:r>
-              <a:rPr lang="en-US" i="1" dirty="0"/>
-              <a:t>_</a:t>
-            </a:r>
-            <a:r>
-              <a:rPr lang="cs-CZ" i="1" dirty="0" err="1"/>
-              <a:t>check</a:t>
-            </a:r>
-            <a:r>
-              <a:rPr lang="en-US" i="1" dirty="0"/>
-              <a:t>.</a:t>
-            </a:r>
-            <a:r>
-              <a:rPr lang="en-US" i="1" dirty="0" err="1"/>
-              <a:t>rule.severity</a:t>
-            </a:r>
-            <a:endParaRPr lang="en-US" i="1" dirty="0"/>
-          </a:p>
-          <a:p>
-            <a:r>
-              <a:rPr lang="en-US" dirty="0"/>
-              <a:t>MSBuild knobs:</a:t>
-            </a:r>
-          </a:p>
-          <a:p>
-            <a:pPr lvl="1"/>
-            <a:r>
-              <a:rPr lang="cs-CZ" b="1" dirty="0" err="1"/>
-              <a:t>MSBuild</a:t>
-            </a:r>
-            <a:r>
-              <a:rPr lang="cs-CZ" dirty="0" err="1"/>
-              <a:t>TreatWarningsAsErrors</a:t>
-            </a:r>
-            <a:endParaRPr lang="en-US" dirty="0"/>
-          </a:p>
-          <a:p>
-            <a:pPr lvl="1"/>
-            <a:r>
-              <a:rPr lang="cs-CZ" b="1" dirty="0"/>
-              <a:t>MSBuild</a:t>
-            </a:r>
-            <a:r>
-              <a:rPr lang="en-US" dirty="0" err="1"/>
-              <a:t>WarningsAsErrors</a:t>
-            </a:r>
-            <a:endParaRPr lang="en-US" dirty="0"/>
-          </a:p>
-          <a:p>
-            <a:pPr lvl="1"/>
-            <a:r>
-              <a:rPr lang="cs-CZ" b="1" dirty="0" err="1"/>
-              <a:t>MSBuild</a:t>
-            </a:r>
-            <a:r>
-              <a:rPr lang="cs-CZ" dirty="0" err="1"/>
-              <a:t>WarningsNotAsErrors</a:t>
-            </a:r>
             <a:endParaRPr lang="en-US" dirty="0"/>
           </a:p>
         </p:txBody>
@@ -7571,7 +8108,7 @@
     </p:spTree>
     <p:extLst>
       <p:ext uri="{BB962C8B-B14F-4D97-AF65-F5344CB8AC3E}">
-        <p14:creationId xmlns:p14="http://schemas.microsoft.com/office/powerpoint/2010/main" val="3069694228"/>
+        <p14:creationId xmlns:p14="http://schemas.microsoft.com/office/powerpoint/2010/main" val="384534369"/>
       </p:ext>
     </p:extLst>
   </p:cSld>
